--- a/trunk/Presentation/Tracking.pptx
+++ b/trunk/Presentation/Tracking.pptx
@@ -20896,7 +20896,7 @@
             <a:fld id="{F16FF745-5076-4921-BBC7-B29319029D7B}" type="datetimeFigureOut">
               <a:rPr lang="es-ES" smtClean="0"/>
               <a:pPr/>
-              <a:t>17/03/2010</a:t>
+              <a:t>18/03/2010</a:t>
             </a:fld>
             <a:endParaRPr lang="es-ES"/>
           </a:p>
@@ -21071,7 +21071,7 @@
             <a:fld id="{F16FF745-5076-4921-BBC7-B29319029D7B}" type="datetimeFigureOut">
               <a:rPr lang="es-ES" smtClean="0"/>
               <a:pPr/>
-              <a:t>17/03/2010</a:t>
+              <a:t>18/03/2010</a:t>
             </a:fld>
             <a:endParaRPr lang="es-ES"/>
           </a:p>
@@ -21317,7 +21317,7 @@
             <a:fld id="{F16FF745-5076-4921-BBC7-B29319029D7B}" type="datetimeFigureOut">
               <a:rPr lang="es-ES" smtClean="0"/>
               <a:pPr/>
-              <a:t>17/03/2010</a:t>
+              <a:t>18/03/2010</a:t>
             </a:fld>
             <a:endParaRPr lang="es-ES"/>
           </a:p>
@@ -21610,7 +21610,7 @@
             <a:fld id="{F16FF745-5076-4921-BBC7-B29319029D7B}" type="datetimeFigureOut">
               <a:rPr lang="es-ES" smtClean="0"/>
               <a:pPr/>
-              <a:t>17/03/2010</a:t>
+              <a:t>18/03/2010</a:t>
             </a:fld>
             <a:endParaRPr lang="es-ES"/>
           </a:p>
@@ -22037,7 +22037,7 @@
             <a:fld id="{F16FF745-5076-4921-BBC7-B29319029D7B}" type="datetimeFigureOut">
               <a:rPr lang="es-ES" smtClean="0"/>
               <a:pPr/>
-              <a:t>17/03/2010</a:t>
+              <a:t>18/03/2010</a:t>
             </a:fld>
             <a:endParaRPr lang="es-ES"/>
           </a:p>
@@ -22214,7 +22214,7 @@
             <a:fld id="{F16FF745-5076-4921-BBC7-B29319029D7B}" type="datetimeFigureOut">
               <a:rPr lang="es-ES" smtClean="0"/>
               <a:pPr/>
-              <a:t>17/03/2010</a:t>
+              <a:t>18/03/2010</a:t>
             </a:fld>
             <a:endParaRPr lang="es-ES"/>
           </a:p>
@@ -26146,23 +26146,79 @@
           <a:chExt cx="0" cy="0"/>
         </a:xfrm>
       </p:grpSpPr>
+      <p:pic>
+        <p:nvPicPr>
+          <p:cNvPr id="7" name="demo1.avi">
+            <a:hlinkClick r:id="" action="ppaction://media"/>
+          </p:cNvPr>
+          <p:cNvPicPr>
+            <a:picLocks noRot="1" noChangeAspect="1"/>
+          </p:cNvPicPr>
+          <p:nvPr>
+            <a:videoFile r:link="rId1"/>
+          </p:nvPr>
+        </p:nvPicPr>
+        <p:blipFill>
+          <a:blip r:embed="rId4" cstate="print"/>
+          <a:stretch>
+            <a:fillRect/>
+          </a:stretch>
+        </p:blipFill>
+        <p:spPr>
+          <a:xfrm>
+            <a:off x="347662" y="2000240"/>
+            <a:ext cx="4152900" cy="3276600"/>
+          </a:xfrm>
+          <a:prstGeom prst="rect">
+            <a:avLst/>
+          </a:prstGeom>
+        </p:spPr>
+      </p:pic>
+      <p:pic>
+        <p:nvPicPr>
+          <p:cNvPr id="8" name="demo2.avi">
+            <a:hlinkClick r:id="" action="ppaction://media"/>
+          </p:cNvPr>
+          <p:cNvPicPr>
+            <a:picLocks noRot="1" noChangeAspect="1"/>
+          </p:cNvPicPr>
+          <p:nvPr>
+            <a:videoFile r:link="rId2"/>
+          </p:nvPr>
+        </p:nvPicPr>
+        <p:blipFill>
+          <a:blip r:embed="rId5" cstate="print"/>
+          <a:stretch>
+            <a:fillRect/>
+          </a:stretch>
+        </p:blipFill>
+        <p:spPr>
+          <a:xfrm>
+            <a:off x="4714876" y="2000240"/>
+            <a:ext cx="4152900" cy="3276600"/>
+          </a:xfrm>
+          <a:prstGeom prst="rect">
+            <a:avLst/>
+          </a:prstGeom>
+        </p:spPr>
+      </p:pic>
       <p:grpSp>
         <p:nvGrpSpPr>
-          <p:cNvPr id="4" name="Group 3"/>
+          <p:cNvPr id="9" name="3 Grupo"/>
           <p:cNvGrpSpPr/>
           <p:nvPr/>
         </p:nvGrpSpPr>
         <p:grpSpPr>
           <a:xfrm>
-            <a:off x="685800" y="2712960"/>
-            <a:ext cx="7772400" cy="1432080"/>
+            <a:off x="500034" y="142852"/>
+            <a:ext cx="8072494" cy="642942"/>
             <a:chOff x="0" y="18972"/>
             <a:chExt cx="7772400" cy="1432080"/>
           </a:xfrm>
         </p:grpSpPr>
         <p:sp>
           <p:nvSpPr>
-            <p:cNvPr id="5" name="Rounded Rectangle 4"/>
+            <p:cNvPr id="10" name="4 Rectángulo redondeado"/>
             <p:cNvSpPr/>
             <p:nvPr/>
           </p:nvSpPr>
@@ -26207,7 +26263,7 @@
         </p:sp>
         <p:sp>
           <p:nvSpPr>
-            <p:cNvPr id="6" name="Rounded Rectangle 4"/>
+            <p:cNvPr id="11" name="5 Rectángulo"/>
             <p:cNvSpPr/>
             <p:nvPr/>
           </p:nvSpPr>
@@ -26240,7 +26296,7 @@
             </a:bodyPr>
             <a:lstStyle/>
             <a:p>
-              <a:pPr lvl="0" algn="ctr" defTabSz="1600200" rtl="0">
+              <a:pPr lvl="0" algn="l" defTabSz="1600200" rtl="0">
                 <a:lnSpc>
                   <a:spcPct val="90000"/>
                 </a:lnSpc>
@@ -26252,19 +26308,381 @@
                 </a:spcAft>
               </a:pPr>
               <a:r>
-                <a:rPr lang="en-US" sz="3600" b="1" noProof="0" dirty="0" smtClean="0"/>
-                <a:t>DEMO</a:t>
+                <a:rPr lang="es-ES" sz="2400" b="1" kern="1200" dirty="0" smtClean="0"/>
+                <a:t>Tracking - </a:t>
               </a:r>
-              <a:endParaRPr lang="en-US" sz="3600" b="1" kern="1200" noProof="0" dirty="0"/>
+              <a:r>
+                <a:rPr lang="en-US" sz="2400" b="1" kern="1200" noProof="0" dirty="0" smtClean="0"/>
+                <a:t>Face Recognition</a:t>
+              </a:r>
+              <a:endParaRPr lang="en-US" sz="2400" b="1" kern="1200" noProof="0" dirty="0"/>
             </a:p>
           </p:txBody>
         </p:sp>
       </p:grpSp>
+      <p:grpSp>
+        <p:nvGrpSpPr>
+          <p:cNvPr id="12" name="6 Grupo"/>
+          <p:cNvGrpSpPr/>
+          <p:nvPr/>
+        </p:nvGrpSpPr>
+        <p:grpSpPr>
+          <a:xfrm>
+            <a:off x="500034" y="857232"/>
+            <a:ext cx="8072494" cy="571504"/>
+            <a:chOff x="0" y="21434"/>
+            <a:chExt cx="6400800" cy="527670"/>
+          </a:xfrm>
+          <a:scene3d>
+            <a:camera prst="orthographicFront"/>
+            <a:lightRig rig="flat" dir="t"/>
+          </a:scene3d>
+        </p:grpSpPr>
+        <p:sp>
+          <p:nvSpPr>
+            <p:cNvPr id="13" name="7 Rectángulo redondeado"/>
+            <p:cNvSpPr/>
+            <p:nvPr/>
+          </p:nvSpPr>
+          <p:spPr>
+            <a:xfrm>
+              <a:off x="0" y="21434"/>
+              <a:ext cx="6400800" cy="527670"/>
+            </a:xfrm>
+            <a:prstGeom prst="roundRect">
+              <a:avLst/>
+            </a:prstGeom>
+            <a:sp3d prstMaterial="dkEdge">
+              <a:bevelT w="8200" h="38100"/>
+            </a:sp3d>
+          </p:spPr>
+          <p:style>
+            <a:lnRef idx="0">
+              <a:schemeClr val="lt1">
+                <a:hueOff val="0"/>
+                <a:satOff val="0"/>
+                <a:lumOff val="0"/>
+                <a:alphaOff val="0"/>
+              </a:schemeClr>
+            </a:lnRef>
+            <a:fillRef idx="2">
+              <a:schemeClr val="accent5">
+                <a:hueOff val="0"/>
+                <a:satOff val="0"/>
+                <a:lumOff val="0"/>
+                <a:alphaOff val="0"/>
+              </a:schemeClr>
+            </a:fillRef>
+            <a:effectRef idx="1">
+              <a:schemeClr val="accent5">
+                <a:hueOff val="0"/>
+                <a:satOff val="0"/>
+                <a:lumOff val="0"/>
+                <a:alphaOff val="0"/>
+              </a:schemeClr>
+            </a:effectRef>
+            <a:fontRef idx="minor">
+              <a:schemeClr val="dk1"/>
+            </a:fontRef>
+          </p:style>
+        </p:sp>
+        <p:sp>
+          <p:nvSpPr>
+            <p:cNvPr id="14" name="8 Rectángulo"/>
+            <p:cNvSpPr/>
+            <p:nvPr/>
+          </p:nvSpPr>
+          <p:spPr>
+            <a:xfrm>
+              <a:off x="25759" y="47193"/>
+              <a:ext cx="6349282" cy="476152"/>
+            </a:xfrm>
+            <a:prstGeom prst="rect">
+              <a:avLst/>
+            </a:prstGeom>
+            <a:sp3d/>
+          </p:spPr>
+          <p:style>
+            <a:lnRef idx="0">
+              <a:scrgbClr r="0" g="0" b="0"/>
+            </a:lnRef>
+            <a:fillRef idx="0">
+              <a:scrgbClr r="0" g="0" b="0"/>
+            </a:fillRef>
+            <a:effectRef idx="0">
+              <a:scrgbClr r="0" g="0" b="0"/>
+            </a:effectRef>
+            <a:fontRef idx="minor">
+              <a:schemeClr val="dk1"/>
+            </a:fontRef>
+          </p:style>
+          <p:txBody>
+            <a:bodyPr spcFirstLastPara="0" vert="horz" wrap="square" lIns="83820" tIns="83820" rIns="83820" bIns="83820" numCol="1" spcCol="1270" anchor="ctr" anchorCtr="0">
+              <a:noAutofit/>
+            </a:bodyPr>
+            <a:lstStyle/>
+            <a:p>
+              <a:pPr lvl="0" algn="ctr" defTabSz="977900" rtl="0">
+                <a:lnSpc>
+                  <a:spcPct val="90000"/>
+                </a:lnSpc>
+                <a:spcBef>
+                  <a:spcPct val="0"/>
+                </a:spcBef>
+                <a:spcAft>
+                  <a:spcPct val="35000"/>
+                </a:spcAft>
+              </a:pPr>
+              <a:r>
+                <a:rPr lang="en-US" kern="1200" smtClean="0"/>
+                <a:t>DEMO</a:t>
+              </a:r>
+              <a:endParaRPr lang="en-US" b="1" kern="1200" dirty="0"/>
+            </a:p>
+          </p:txBody>
+        </p:sp>
+      </p:grpSp>
+      <p:sp>
+        <p:nvSpPr>
+          <p:cNvPr id="15" name="TextBox 14"/>
+          <p:cNvSpPr txBox="1"/>
+          <p:nvPr/>
+        </p:nvSpPr>
+        <p:spPr>
+          <a:xfrm>
+            <a:off x="785786" y="5429264"/>
+            <a:ext cx="3071834" cy="646331"/>
+          </a:xfrm>
+          <a:prstGeom prst="rect">
+            <a:avLst/>
+          </a:prstGeom>
+          <a:noFill/>
+        </p:spPr>
+        <p:txBody>
+          <a:bodyPr wrap="square" rtlCol="0">
+            <a:spAutoFit/>
+          </a:bodyPr>
+          <a:lstStyle/>
+          <a:p>
+            <a:pPr algn="ctr"/>
+            <a:r>
+              <a:rPr lang="en-US" dirty="0" smtClean="0"/>
+              <a:t>Detection and solving correspondence problem</a:t>
+            </a:r>
+            <a:endParaRPr lang="en-US" dirty="0"/>
+          </a:p>
+        </p:txBody>
+      </p:sp>
+      <p:sp>
+        <p:nvSpPr>
+          <p:cNvPr id="16" name="TextBox 15"/>
+          <p:cNvSpPr txBox="1"/>
+          <p:nvPr/>
+        </p:nvSpPr>
+        <p:spPr>
+          <a:xfrm>
+            <a:off x="5357818" y="5425875"/>
+            <a:ext cx="3071834" cy="646331"/>
+          </a:xfrm>
+          <a:prstGeom prst="rect">
+            <a:avLst/>
+          </a:prstGeom>
+          <a:noFill/>
+        </p:spPr>
+        <p:txBody>
+          <a:bodyPr wrap="square" rtlCol="0">
+            <a:spAutoFit/>
+          </a:bodyPr>
+          <a:lstStyle/>
+          <a:p>
+            <a:pPr algn="ctr"/>
+            <a:r>
+              <a:rPr lang="en-US" dirty="0" smtClean="0"/>
+              <a:t>Recognizing and tracking multiple objects</a:t>
+            </a:r>
+            <a:endParaRPr lang="en-US" dirty="0"/>
+          </a:p>
+        </p:txBody>
+      </p:sp>
     </p:spTree>
   </p:cSld>
   <p:clrMapOvr>
     <a:masterClrMapping/>
   </p:clrMapOvr>
+  <p:timing>
+    <p:tnLst>
+      <p:par>
+        <p:cTn id="1" dur="indefinite" restart="never" nodeType="tmRoot">
+          <p:childTnLst>
+            <p:seq concurrent="1" nextAc="seek">
+              <p:cTn id="2" restart="whenNotActive" fill="hold" evtFilter="cancelBubble" nodeType="interactiveSeq">
+                <p:stCondLst>
+                  <p:cond evt="onClick" delay="0">
+                    <p:tgtEl>
+                      <p:spTgt spid="7"/>
+                    </p:tgtEl>
+                  </p:cond>
+                </p:stCondLst>
+                <p:endSync evt="end" delay="0">
+                  <p:rtn val="all"/>
+                </p:endSync>
+                <p:childTnLst>
+                  <p:par>
+                    <p:cTn id="3" fill="hold">
+                      <p:stCondLst>
+                        <p:cond delay="0"/>
+                      </p:stCondLst>
+                      <p:childTnLst>
+                        <p:par>
+                          <p:cTn id="4" fill="hold">
+                            <p:stCondLst>
+                              <p:cond delay="0"/>
+                            </p:stCondLst>
+                            <p:childTnLst>
+                              <p:par>
+                                <p:cTn id="5" presetID="2" presetClass="mediacall" presetSubtype="0" fill="hold" nodeType="clickEffect">
+                                  <p:stCondLst>
+                                    <p:cond delay="0"/>
+                                  </p:stCondLst>
+                                  <p:childTnLst>
+                                    <p:cmd type="call" cmd="togglePause">
+                                      <p:cBhvr>
+                                        <p:cTn id="6" dur="1" fill="hold"/>
+                                        <p:tgtEl>
+                                          <p:spTgt spid="7"/>
+                                        </p:tgtEl>
+                                      </p:cBhvr>
+                                    </p:cmd>
+                                  </p:childTnLst>
+                                </p:cTn>
+                              </p:par>
+                            </p:childTnLst>
+                          </p:cTn>
+                        </p:par>
+                      </p:childTnLst>
+                    </p:cTn>
+                  </p:par>
+                </p:childTnLst>
+              </p:cTn>
+              <p:nextCondLst>
+                <p:cond evt="onClick" delay="0">
+                  <p:tgtEl>
+                    <p:spTgt spid="7"/>
+                  </p:tgtEl>
+                </p:cond>
+              </p:nextCondLst>
+            </p:seq>
+            <p:video>
+              <p:cMediaNode>
+                <p:cTn id="7" fill="hold" display="0">
+                  <p:stCondLst>
+                    <p:cond delay="indefinite"/>
+                  </p:stCondLst>
+                  <p:endCondLst>
+                    <p:cond evt="onNext" delay="0">
+                      <p:tgtEl>
+                        <p:sldTgt/>
+                      </p:tgtEl>
+                    </p:cond>
+                    <p:cond evt="onPrev" delay="0">
+                      <p:tgtEl>
+                        <p:sldTgt/>
+                      </p:tgtEl>
+                    </p:cond>
+                  </p:endCondLst>
+                </p:cTn>
+                <p:tgtEl>
+                  <p:spTgt spid="7"/>
+                </p:tgtEl>
+              </p:cMediaNode>
+            </p:video>
+            <p:seq concurrent="1" nextAc="seek">
+              <p:cTn id="8" restart="whenNotActive" fill="hold" evtFilter="cancelBubble" nodeType="interactiveSeq">
+                <p:stCondLst>
+                  <p:cond evt="onClick" delay="0">
+                    <p:tgtEl>
+                      <p:spTgt spid="8"/>
+                    </p:tgtEl>
+                  </p:cond>
+                </p:stCondLst>
+                <p:endSync evt="end" delay="0">
+                  <p:rtn val="all"/>
+                </p:endSync>
+                <p:childTnLst>
+                  <p:par>
+                    <p:cTn id="9" fill="hold">
+                      <p:stCondLst>
+                        <p:cond delay="0"/>
+                      </p:stCondLst>
+                      <p:childTnLst>
+                        <p:par>
+                          <p:cTn id="10" fill="hold">
+                            <p:stCondLst>
+                              <p:cond delay="0"/>
+                            </p:stCondLst>
+                            <p:childTnLst>
+                              <p:par>
+                                <p:cTn id="11" presetID="2" presetClass="mediacall" presetSubtype="0" fill="hold" nodeType="clickEffect">
+                                  <p:stCondLst>
+                                    <p:cond delay="0"/>
+                                  </p:stCondLst>
+                                  <p:childTnLst>
+                                    <p:cmd type="call" cmd="togglePause">
+                                      <p:cBhvr>
+                                        <p:cTn id="12" dur="1" fill="hold"/>
+                                        <p:tgtEl>
+                                          <p:spTgt spid="8"/>
+                                        </p:tgtEl>
+                                      </p:cBhvr>
+                                    </p:cmd>
+                                  </p:childTnLst>
+                                </p:cTn>
+                              </p:par>
+                            </p:childTnLst>
+                          </p:cTn>
+                        </p:par>
+                      </p:childTnLst>
+                    </p:cTn>
+                  </p:par>
+                </p:childTnLst>
+              </p:cTn>
+              <p:nextCondLst>
+                <p:cond evt="onClick" delay="0">
+                  <p:tgtEl>
+                    <p:spTgt spid="8"/>
+                  </p:tgtEl>
+                </p:cond>
+              </p:nextCondLst>
+            </p:seq>
+            <p:video>
+              <p:cMediaNode>
+                <p:cTn id="13" fill="hold" display="0">
+                  <p:stCondLst>
+                    <p:cond delay="indefinite"/>
+                  </p:stCondLst>
+                  <p:endCondLst>
+                    <p:cond evt="onNext" delay="0">
+                      <p:tgtEl>
+                        <p:sldTgt/>
+                      </p:tgtEl>
+                    </p:cond>
+                    <p:cond evt="onPrev" delay="0">
+                      <p:tgtEl>
+                        <p:sldTgt/>
+                      </p:tgtEl>
+                    </p:cond>
+                  </p:endCondLst>
+                </p:cTn>
+                <p:tgtEl>
+                  <p:spTgt spid="8"/>
+                </p:tgtEl>
+              </p:cMediaNode>
+            </p:video>
+          </p:childTnLst>
+        </p:cTn>
+      </p:par>
+    </p:tnLst>
+  </p:timing>
 </p:sld>
 </file>
 

--- a/trunk/Presentation/Tracking.pptx
+++ b/trunk/Presentation/Tracking.pptx
@@ -6048,10 +6048,10 @@
         <a:lstStyle/>
         <a:p>
           <a:r>
-            <a:rPr lang="en-US" noProof="0" smtClean="0"/>
+            <a:rPr lang="en-US" noProof="0" dirty="0" smtClean="0"/>
             <a:t>Selectivity</a:t>
           </a:r>
-          <a:endParaRPr lang="en-US" noProof="0"/>
+          <a:endParaRPr lang="en-US" noProof="0" dirty="0"/>
         </a:p>
       </dgm:t>
     </dgm:pt>
@@ -6196,10 +6196,10 @@
         <a:lstStyle/>
         <a:p>
           <a:r>
-            <a:rPr lang="en-US" noProof="0" smtClean="0"/>
+            <a:rPr lang="en-US" noProof="0" dirty="0" err="1" smtClean="0"/>
             <a:t>Eigenbackground</a:t>
           </a:r>
-          <a:endParaRPr lang="en-US" noProof="0"/>
+          <a:endParaRPr lang="en-US" noProof="0" dirty="0"/>
         </a:p>
       </dgm:t>
     </dgm:pt>
@@ -6447,6 +6447,43 @@
         </a:p>
       </dgm:t>
     </dgm:pt>
+    <dgm:pt modelId="{5C9EA338-C5C7-42DD-94BF-1943C7D8222C}">
+      <dgm:prSet phldrT="[Texto]"/>
+      <dgm:spPr/>
+      <dgm:t>
+        <a:bodyPr/>
+        <a:lstStyle/>
+        <a:p>
+          <a:r>
+            <a:rPr lang="en-US" noProof="0" dirty="0" smtClean="0"/>
+            <a:t>Multiple targets</a:t>
+          </a:r>
+          <a:endParaRPr lang="en-US" noProof="0" dirty="0"/>
+        </a:p>
+      </dgm:t>
+    </dgm:pt>
+    <dgm:pt modelId="{0A0E57AE-5A83-4E2D-AB72-B47FA6D44E05}" type="parTrans" cxnId="{D6B643EE-B137-41EA-BC0D-F99F2B548A43}">
+      <dgm:prSet/>
+      <dgm:spPr/>
+      <dgm:t>
+        <a:bodyPr/>
+        <a:lstStyle/>
+        <a:p>
+          <a:endParaRPr lang="es-ES"/>
+        </a:p>
+      </dgm:t>
+    </dgm:pt>
+    <dgm:pt modelId="{F9FD33BC-2DF2-407E-A0F5-8CEE6E3FD376}" type="sibTrans" cxnId="{D6B643EE-B137-41EA-BC0D-F99F2B548A43}">
+      <dgm:prSet/>
+      <dgm:spPr/>
+      <dgm:t>
+        <a:bodyPr/>
+        <a:lstStyle/>
+        <a:p>
+          <a:endParaRPr lang="es-ES"/>
+        </a:p>
+      </dgm:t>
+    </dgm:pt>
     <dgm:pt modelId="{8D12119A-7951-4775-834A-FC44E7E4F474}" type="pres">
       <dgm:prSet presAssocID="{6586D1D6-E41A-471A-862F-326DC00AB975}" presName="diagram" presStyleCnt="0">
         <dgm:presLayoutVars>
@@ -6501,7 +6538,7 @@
       <dgm:spPr/>
     </dgm:pt>
     <dgm:pt modelId="{53327925-2CAA-45CE-8EF2-3DD2327D1072}" type="pres">
-      <dgm:prSet presAssocID="{D5F3D9B5-0956-4659-A6E0-4F01A0CF3D3E}" presName="Name13" presStyleLbl="parChTrans1D2" presStyleIdx="0" presStyleCnt="8"/>
+      <dgm:prSet presAssocID="{D5F3D9B5-0956-4659-A6E0-4F01A0CF3D3E}" presName="Name13" presStyleLbl="parChTrans1D2" presStyleIdx="0" presStyleCnt="9"/>
       <dgm:spPr/>
       <dgm:t>
         <a:bodyPr/>
@@ -6512,7 +6549,7 @@
       </dgm:t>
     </dgm:pt>
     <dgm:pt modelId="{00A816F2-3FCB-44DE-8144-0CDE0FEB1FB8}" type="pres">
-      <dgm:prSet presAssocID="{FA3C71AA-D926-4B59-8EC0-CFD2D2AD2993}" presName="childText" presStyleLbl="bgAcc1" presStyleIdx="0" presStyleCnt="8">
+      <dgm:prSet presAssocID="{FA3C71AA-D926-4B59-8EC0-CFD2D2AD2993}" presName="childText" presStyleLbl="bgAcc1" presStyleIdx="0" presStyleCnt="9">
         <dgm:presLayoutVars>
           <dgm:bulletEnabled val="1"/>
         </dgm:presLayoutVars>
@@ -6527,7 +6564,7 @@
       </dgm:t>
     </dgm:pt>
     <dgm:pt modelId="{CD59CD8E-EC99-437D-BE39-CAF22FD01E03}" type="pres">
-      <dgm:prSet presAssocID="{845088BC-446A-446D-89CE-ACE6C9687F1A}" presName="Name13" presStyleLbl="parChTrans1D2" presStyleIdx="1" presStyleCnt="8"/>
+      <dgm:prSet presAssocID="{845088BC-446A-446D-89CE-ACE6C9687F1A}" presName="Name13" presStyleLbl="parChTrans1D2" presStyleIdx="1" presStyleCnt="9"/>
       <dgm:spPr/>
       <dgm:t>
         <a:bodyPr/>
@@ -6538,7 +6575,7 @@
       </dgm:t>
     </dgm:pt>
     <dgm:pt modelId="{A73D20A3-B4DA-4479-B55B-890F15CBE6C3}" type="pres">
-      <dgm:prSet presAssocID="{1A6C99F9-0B89-49FD-AF2A-83C2B25BD30C}" presName="childText" presStyleLbl="bgAcc1" presStyleIdx="1" presStyleCnt="8">
+      <dgm:prSet presAssocID="{1A6C99F9-0B89-49FD-AF2A-83C2B25BD30C}" presName="childText" presStyleLbl="bgAcc1" presStyleIdx="1" presStyleCnt="9">
         <dgm:presLayoutVars>
           <dgm:bulletEnabled val="1"/>
         </dgm:presLayoutVars>
@@ -6553,7 +6590,7 @@
       </dgm:t>
     </dgm:pt>
     <dgm:pt modelId="{82B1B814-CB5C-4B81-A080-1747B72AC631}" type="pres">
-      <dgm:prSet presAssocID="{C08D47A4-DB7E-4C4C-8D26-32089E6C2DEF}" presName="Name13" presStyleLbl="parChTrans1D2" presStyleIdx="2" presStyleCnt="8"/>
+      <dgm:prSet presAssocID="{C08D47A4-DB7E-4C4C-8D26-32089E6C2DEF}" presName="Name13" presStyleLbl="parChTrans1D2" presStyleIdx="2" presStyleCnt="9"/>
       <dgm:spPr/>
       <dgm:t>
         <a:bodyPr/>
@@ -6564,7 +6601,7 @@
       </dgm:t>
     </dgm:pt>
     <dgm:pt modelId="{E39230B7-CA74-4B22-BF8F-AAAC3BF519DC}" type="pres">
-      <dgm:prSet presAssocID="{F7A0F02D-5CE9-4D53-B858-B2430DBA6611}" presName="childText" presStyleLbl="bgAcc1" presStyleIdx="2" presStyleCnt="8">
+      <dgm:prSet presAssocID="{F7A0F02D-5CE9-4D53-B858-B2430DBA6611}" presName="childText" presStyleLbl="bgAcc1" presStyleIdx="2" presStyleCnt="9">
         <dgm:presLayoutVars>
           <dgm:bulletEnabled val="1"/>
         </dgm:presLayoutVars>
@@ -6613,7 +6650,7 @@
       <dgm:spPr/>
     </dgm:pt>
     <dgm:pt modelId="{003F8D1C-4C49-4EAF-985F-8756C2A9C7E6}" type="pres">
-      <dgm:prSet presAssocID="{8DE831A3-8590-4CBD-9E9D-87AF44916894}" presName="Name13" presStyleLbl="parChTrans1D2" presStyleIdx="3" presStyleCnt="8"/>
+      <dgm:prSet presAssocID="{8DE831A3-8590-4CBD-9E9D-87AF44916894}" presName="Name13" presStyleLbl="parChTrans1D2" presStyleIdx="3" presStyleCnt="9"/>
       <dgm:spPr/>
       <dgm:t>
         <a:bodyPr/>
@@ -6624,7 +6661,7 @@
       </dgm:t>
     </dgm:pt>
     <dgm:pt modelId="{5E0CF7A4-6B7B-4177-8F7E-EA65E2D7432F}" type="pres">
-      <dgm:prSet presAssocID="{66E035CF-C3EC-4AD5-BBAD-2C8CEA77D0A7}" presName="childText" presStyleLbl="bgAcc1" presStyleIdx="3" presStyleCnt="8">
+      <dgm:prSet presAssocID="{66E035CF-C3EC-4AD5-BBAD-2C8CEA77D0A7}" presName="childText" presStyleLbl="bgAcc1" presStyleIdx="3" presStyleCnt="9">
         <dgm:presLayoutVars>
           <dgm:bulletEnabled val="1"/>
         </dgm:presLayoutVars>
@@ -6639,7 +6676,7 @@
       </dgm:t>
     </dgm:pt>
     <dgm:pt modelId="{78881C3A-DD81-4E57-8674-83F863A6771F}" type="pres">
-      <dgm:prSet presAssocID="{FC67B87D-BA8E-4B29-B9D2-3AAB828DC117}" presName="Name13" presStyleLbl="parChTrans1D2" presStyleIdx="4" presStyleCnt="8"/>
+      <dgm:prSet presAssocID="{FC67B87D-BA8E-4B29-B9D2-3AAB828DC117}" presName="Name13" presStyleLbl="parChTrans1D2" presStyleIdx="4" presStyleCnt="9"/>
       <dgm:spPr/>
       <dgm:t>
         <a:bodyPr/>
@@ -6650,7 +6687,7 @@
       </dgm:t>
     </dgm:pt>
     <dgm:pt modelId="{91B68FAC-D781-4533-9F6F-FB4E74F807AB}" type="pres">
-      <dgm:prSet presAssocID="{4399A1F4-CF04-4407-8A54-F0F9DC7BE889}" presName="childText" presStyleLbl="bgAcc1" presStyleIdx="4" presStyleCnt="8">
+      <dgm:prSet presAssocID="{4399A1F4-CF04-4407-8A54-F0F9DC7BE889}" presName="childText" presStyleLbl="bgAcc1" presStyleIdx="4" presStyleCnt="9">
         <dgm:presLayoutVars>
           <dgm:bulletEnabled val="1"/>
         </dgm:presLayoutVars>
@@ -6665,7 +6702,7 @@
       </dgm:t>
     </dgm:pt>
     <dgm:pt modelId="{428DB842-A276-4CBD-8C1E-DC9F41200616}" type="pres">
-      <dgm:prSet presAssocID="{1791AA9E-2AF5-49D0-A7C3-8A548025FEB7}" presName="Name13" presStyleLbl="parChTrans1D2" presStyleIdx="5" presStyleCnt="8"/>
+      <dgm:prSet presAssocID="{1791AA9E-2AF5-49D0-A7C3-8A548025FEB7}" presName="Name13" presStyleLbl="parChTrans1D2" presStyleIdx="5" presStyleCnt="9"/>
       <dgm:spPr/>
       <dgm:t>
         <a:bodyPr/>
@@ -6676,7 +6713,7 @@
       </dgm:t>
     </dgm:pt>
     <dgm:pt modelId="{CF53279C-FF12-4AE7-8C78-4EE49D3809A0}" type="pres">
-      <dgm:prSet presAssocID="{BDFA9EBB-4D69-41D8-823D-E17F437EF8A9}" presName="childText" presStyleLbl="bgAcc1" presStyleIdx="5" presStyleCnt="8">
+      <dgm:prSet presAssocID="{BDFA9EBB-4D69-41D8-823D-E17F437EF8A9}" presName="childText" presStyleLbl="bgAcc1" presStyleIdx="5" presStyleCnt="9">
         <dgm:presLayoutVars>
           <dgm:bulletEnabled val="1"/>
         </dgm:presLayoutVars>
@@ -6725,7 +6762,7 @@
       <dgm:spPr/>
     </dgm:pt>
     <dgm:pt modelId="{61246536-F20B-4AB5-897C-F97F0FC38FC5}" type="pres">
-      <dgm:prSet presAssocID="{2F78D8E7-F481-4B16-897E-8081984993C0}" presName="Name13" presStyleLbl="parChTrans1D2" presStyleIdx="6" presStyleCnt="8"/>
+      <dgm:prSet presAssocID="{2F78D8E7-F481-4B16-897E-8081984993C0}" presName="Name13" presStyleLbl="parChTrans1D2" presStyleIdx="6" presStyleCnt="9"/>
       <dgm:spPr/>
       <dgm:t>
         <a:bodyPr/>
@@ -6736,7 +6773,7 @@
       </dgm:t>
     </dgm:pt>
     <dgm:pt modelId="{CB7A53F5-9FF6-4C10-ABBC-848D4E0BF92F}" type="pres">
-      <dgm:prSet presAssocID="{61963B72-96F0-47EB-A92A-8A9DD6B8C573}" presName="childText" presStyleLbl="bgAcc1" presStyleIdx="6" presStyleCnt="8">
+      <dgm:prSet presAssocID="{61963B72-96F0-47EB-A92A-8A9DD6B8C573}" presName="childText" presStyleLbl="bgAcc1" presStyleIdx="6" presStyleCnt="9">
         <dgm:presLayoutVars>
           <dgm:bulletEnabled val="1"/>
         </dgm:presLayoutVars>
@@ -6751,7 +6788,7 @@
       </dgm:t>
     </dgm:pt>
     <dgm:pt modelId="{F8BD2214-FEAF-439D-9226-8D0785E482AF}" type="pres">
-      <dgm:prSet presAssocID="{D5DC1118-726B-4666-B6B4-F29572FC3B3B}" presName="Name13" presStyleLbl="parChTrans1D2" presStyleIdx="7" presStyleCnt="8"/>
+      <dgm:prSet presAssocID="{D5DC1118-726B-4666-B6B4-F29572FC3B3B}" presName="Name13" presStyleLbl="parChTrans1D2" presStyleIdx="7" presStyleCnt="9"/>
       <dgm:spPr/>
       <dgm:t>
         <a:bodyPr/>
@@ -6762,7 +6799,26 @@
       </dgm:t>
     </dgm:pt>
     <dgm:pt modelId="{0ADBB600-B969-4BB2-864A-43364FF9E68D}" type="pres">
-      <dgm:prSet presAssocID="{C5965AFD-9EA7-4A6E-86B6-BAE2568544DF}" presName="childText" presStyleLbl="bgAcc1" presStyleIdx="7" presStyleCnt="8">
+      <dgm:prSet presAssocID="{C5965AFD-9EA7-4A6E-86B6-BAE2568544DF}" presName="childText" presStyleLbl="bgAcc1" presStyleIdx="7" presStyleCnt="9">
+        <dgm:presLayoutVars>
+          <dgm:bulletEnabled val="1"/>
+        </dgm:presLayoutVars>
+      </dgm:prSet>
+      <dgm:spPr/>
+      <dgm:t>
+        <a:bodyPr/>
+        <a:lstStyle/>
+        <a:p>
+          <a:endParaRPr lang="es-ES"/>
+        </a:p>
+      </dgm:t>
+    </dgm:pt>
+    <dgm:pt modelId="{3BC29AD4-96E0-4495-B3CD-28A722C6D4B9}" type="pres">
+      <dgm:prSet presAssocID="{0A0E57AE-5A83-4E2D-AB72-B47FA6D44E05}" presName="Name13" presStyleLbl="parChTrans1D2" presStyleIdx="8" presStyleCnt="9"/>
+      <dgm:spPr/>
+    </dgm:pt>
+    <dgm:pt modelId="{5A29D700-5554-4150-8513-656E1B368FCD}" type="pres">
+      <dgm:prSet presAssocID="{5C9EA338-C5C7-42DD-94BF-1943C7D8222C}" presName="childText" presStyleLbl="bgAcc1" presStyleIdx="8" presStyleCnt="9">
         <dgm:presLayoutVars>
           <dgm:bulletEnabled val="1"/>
         </dgm:presLayoutVars>
@@ -6838,6 +6894,8 @@
     <dgm:cxn modelId="{8BE4F377-F47D-4425-AAEE-F8B785334245}" srcId="{6586D1D6-E41A-471A-862F-326DC00AB975}" destId="{0A29CD26-087C-40C0-AD69-709E0E72239B}" srcOrd="1" destOrd="0" parTransId="{017981BF-BEF8-445C-AAEA-382ACB831159}" sibTransId="{78845A07-973A-4DB5-999B-6ABCB77E28B9}"/>
     <dgm:cxn modelId="{5591A485-21A7-45DE-B5F8-9A593063E975}" srcId="{6586D1D6-E41A-471A-862F-326DC00AB975}" destId="{21486249-242A-487C-AF2E-0E3114801133}" srcOrd="0" destOrd="0" parTransId="{5D6B4927-D94D-46D6-B27A-A751EEE453FB}" sibTransId="{0BB69F38-1F88-49DB-9629-C759A334FE1F}"/>
     <dgm:cxn modelId="{9472D390-4A62-415B-985B-509D7128ABC7}" srcId="{21486249-242A-487C-AF2E-0E3114801133}" destId="{FA3C71AA-D926-4B59-8EC0-CFD2D2AD2993}" srcOrd="0" destOrd="0" parTransId="{D5F3D9B5-0956-4659-A6E0-4F01A0CF3D3E}" sibTransId="{DA8E418A-3261-4B97-8403-78DF7F8A81F4}"/>
+    <dgm:cxn modelId="{D6B643EE-B137-41EA-BC0D-F99F2B548A43}" srcId="{F4D2102E-0C6F-4A5A-8472-EAE2779C6B3A}" destId="{5C9EA338-C5C7-42DD-94BF-1943C7D8222C}" srcOrd="2" destOrd="0" parTransId="{0A0E57AE-5A83-4E2D-AB72-B47FA6D44E05}" sibTransId="{F9FD33BC-2DF2-407E-A0F5-8CEE6E3FD376}"/>
+    <dgm:cxn modelId="{F49A5376-7118-45D8-A28A-F7C8ED153C1E}" type="presOf" srcId="{5C9EA338-C5C7-42DD-94BF-1943C7D8222C}" destId="{5A29D700-5554-4150-8513-656E1B368FCD}" srcOrd="0" destOrd="0" presId="urn:microsoft.com/office/officeart/2005/8/layout/hierarchy3"/>
     <dgm:cxn modelId="{0862196A-4652-4747-9255-ECF77D85561C}" type="presOf" srcId="{C5965AFD-9EA7-4A6E-86B6-BAE2568544DF}" destId="{0ADBB600-B969-4BB2-864A-43364FF9E68D}" srcOrd="0" destOrd="0" presId="urn:microsoft.com/office/officeart/2005/8/layout/hierarchy3"/>
     <dgm:cxn modelId="{A9210282-17A7-4EA0-80A3-1AC2480DC23C}" srcId="{6586D1D6-E41A-471A-862F-326DC00AB975}" destId="{F4D2102E-0C6F-4A5A-8472-EAE2779C6B3A}" srcOrd="2" destOrd="0" parTransId="{007D75EF-EBD4-4FC1-B84D-87343FB50096}" sibTransId="{3ACA1DD1-CF82-4FD5-AA6C-608186CDDF12}"/>
     <dgm:cxn modelId="{ABAC95C6-4B2F-4E24-9B84-8961B5ED5AC4}" srcId="{F4D2102E-0C6F-4A5A-8472-EAE2779C6B3A}" destId="{61963B72-96F0-47EB-A92A-8A9DD6B8C573}" srcOrd="0" destOrd="0" parTransId="{2F78D8E7-F481-4B16-897E-8081984993C0}" sibTransId="{C08F7CEF-55E9-4265-B28B-51E307A9B361}"/>
@@ -6850,6 +6908,7 @@
     <dgm:cxn modelId="{47111F06-0AC0-4617-A317-80A297DD95DC}" type="presOf" srcId="{0A29CD26-087C-40C0-AD69-709E0E72239B}" destId="{6992CD19-32CF-4ACC-A26B-C3AD89FFDCF5}" srcOrd="1" destOrd="0" presId="urn:microsoft.com/office/officeart/2005/8/layout/hierarchy3"/>
     <dgm:cxn modelId="{3C817C0B-00B7-4491-9BAC-06ADC29AE7D6}" type="presOf" srcId="{FA3C71AA-D926-4B59-8EC0-CFD2D2AD2993}" destId="{00A816F2-3FCB-44DE-8144-0CDE0FEB1FB8}" srcOrd="0" destOrd="0" presId="urn:microsoft.com/office/officeart/2005/8/layout/hierarchy3"/>
     <dgm:cxn modelId="{85517DEC-2CBB-4B2F-B7B7-13E40E139B34}" type="presOf" srcId="{7C5B4624-4183-43F3-9006-C46B344F9DC1}" destId="{19F8C5B7-9125-46D0-A994-B9FAFE5B6E03}" srcOrd="0" destOrd="0" presId="urn:microsoft.com/office/officeart/2005/8/layout/hierarchy3"/>
+    <dgm:cxn modelId="{2003149A-E950-407A-9F71-B96B3629E876}" type="presOf" srcId="{0A0E57AE-5A83-4E2D-AB72-B47FA6D44E05}" destId="{3BC29AD4-96E0-4495-B3CD-28A722C6D4B9}" srcOrd="0" destOrd="0" presId="urn:microsoft.com/office/officeart/2005/8/layout/hierarchy3"/>
     <dgm:cxn modelId="{1756264F-3FE9-413F-BA32-538593B43CBD}" srcId="{21486249-242A-487C-AF2E-0E3114801133}" destId="{F7A0F02D-5CE9-4D53-B858-B2430DBA6611}" srcOrd="2" destOrd="0" parTransId="{C08D47A4-DB7E-4C4C-8D26-32089E6C2DEF}" sibTransId="{C9D5F379-BA53-4A86-9A23-112B7FED57AC}"/>
     <dgm:cxn modelId="{7171DFBB-887C-47E6-9D1D-E69EDBE716FC}" type="presParOf" srcId="{8D12119A-7951-4775-834A-FC44E7E4F474}" destId="{23B3534D-504D-4AA2-9E8B-B8CCB4257A3E}" srcOrd="0" destOrd="0" presId="urn:microsoft.com/office/officeart/2005/8/layout/hierarchy3"/>
     <dgm:cxn modelId="{3BE7F95D-ECF1-43D3-AF57-8E32AE9B9D77}" type="presParOf" srcId="{23B3534D-504D-4AA2-9E8B-B8CCB4257A3E}" destId="{1A4316AE-7BB0-4C41-81F1-A60C4F4072D7}" srcOrd="0" destOrd="0" presId="urn:microsoft.com/office/officeart/2005/8/layout/hierarchy3"/>
@@ -6882,6 +6941,8 @@
     <dgm:cxn modelId="{BC687C83-7F5B-4796-A3B7-D64DFC8CAA3E}" type="presParOf" srcId="{26409EB8-7CB3-4BDD-98CA-FD654DFEB546}" destId="{CB7A53F5-9FF6-4C10-ABBC-848D4E0BF92F}" srcOrd="1" destOrd="0" presId="urn:microsoft.com/office/officeart/2005/8/layout/hierarchy3"/>
     <dgm:cxn modelId="{572DCA91-24F3-48C0-A81F-2034C517C05E}" type="presParOf" srcId="{26409EB8-7CB3-4BDD-98CA-FD654DFEB546}" destId="{F8BD2214-FEAF-439D-9226-8D0785E482AF}" srcOrd="2" destOrd="0" presId="urn:microsoft.com/office/officeart/2005/8/layout/hierarchy3"/>
     <dgm:cxn modelId="{708091E1-F815-4737-967D-2EAB9D0B1D99}" type="presParOf" srcId="{26409EB8-7CB3-4BDD-98CA-FD654DFEB546}" destId="{0ADBB600-B969-4BB2-864A-43364FF9E68D}" srcOrd="3" destOrd="0" presId="urn:microsoft.com/office/officeart/2005/8/layout/hierarchy3"/>
+    <dgm:cxn modelId="{689B89BF-0EA0-47BF-AD71-5381CC4E2A57}" type="presParOf" srcId="{26409EB8-7CB3-4BDD-98CA-FD654DFEB546}" destId="{3BC29AD4-96E0-4495-B3CD-28A722C6D4B9}" srcOrd="4" destOrd="0" presId="urn:microsoft.com/office/officeart/2005/8/layout/hierarchy3"/>
+    <dgm:cxn modelId="{C2512FC9-8A89-43A7-B2AA-572A22A4A004}" type="presParOf" srcId="{26409EB8-7CB3-4BDD-98CA-FD654DFEB546}" destId="{5A29D700-5554-4150-8513-656E1B368FCD}" srcOrd="5" destOrd="0" presId="urn:microsoft.com/office/officeart/2005/8/layout/hierarchy3"/>
     <dgm:cxn modelId="{8AF73032-EEB7-4914-BA18-BBC3823E465D}" type="presParOf" srcId="{8D12119A-7951-4775-834A-FC44E7E4F474}" destId="{63FF3093-5E2A-420B-889E-57BB6B79BA0C}" srcOrd="3" destOrd="0" presId="urn:microsoft.com/office/officeart/2005/8/layout/hierarchy3"/>
     <dgm:cxn modelId="{2F4FCC98-06A2-40FA-A860-C044B860DFEB}" type="presParOf" srcId="{63FF3093-5E2A-420B-889E-57BB6B79BA0C}" destId="{32F4E947-C17C-47DC-9E13-B0A87B452FA1}" srcOrd="0" destOrd="0" presId="urn:microsoft.com/office/officeart/2005/8/layout/hierarchy3"/>
     <dgm:cxn modelId="{09F0E1EF-3621-475E-8AED-F5C1DEC358B5}" type="presParOf" srcId="{32F4E947-C17C-47DC-9E13-B0A87B452FA1}" destId="{19F8C5B7-9125-46D0-A994-B9FAFE5B6E03}" srcOrd="0" destOrd="0" presId="urn:microsoft.com/office/officeart/2005/8/layout/hierarchy3"/>
@@ -6950,21 +7011,21 @@
       </dgm:t>
     </dgm:pt>
     <dgm:pt modelId="{FA3C71AA-D926-4B59-8EC0-CFD2D2AD2993}">
-      <dgm:prSet phldrT="[Texto]"/>
+      <dgm:prSet phldrT="[Texto]" custT="1"/>
       <dgm:spPr/>
       <dgm:t>
         <a:bodyPr/>
         <a:lstStyle/>
         <a:p>
           <a:r>
-            <a:rPr lang="en-US" noProof="0" dirty="0" smtClean="0"/>
+            <a:rPr lang="en-US" sz="1500" noProof="0" dirty="0" smtClean="0"/>
             <a:t>Background </a:t>
           </a:r>
           <a:r>
-            <a:rPr lang="en-US" noProof="0" dirty="0" err="1" smtClean="0"/>
+            <a:rPr lang="en-US" sz="1500" noProof="0" dirty="0" err="1" smtClean="0"/>
             <a:t>Substractor</a:t>
           </a:r>
-          <a:endParaRPr lang="en-US" noProof="0" dirty="0"/>
+          <a:endParaRPr lang="en-US" sz="1500" noProof="0" dirty="0"/>
         </a:p>
       </dgm:t>
     </dgm:pt>
@@ -6991,17 +7052,17 @@
       </dgm:t>
     </dgm:pt>
     <dgm:pt modelId="{1A6C99F9-0B89-49FD-AF2A-83C2B25BD30C}">
-      <dgm:prSet phldrT="[Texto]"/>
+      <dgm:prSet phldrT="[Texto]" custT="1"/>
       <dgm:spPr/>
       <dgm:t>
         <a:bodyPr/>
         <a:lstStyle/>
         <a:p>
           <a:r>
-            <a:rPr lang="en-US" noProof="0" dirty="0" smtClean="0"/>
+            <a:rPr lang="en-US" sz="1500" noProof="0" dirty="0" smtClean="0"/>
             <a:t>Selectivity</a:t>
           </a:r>
-          <a:endParaRPr lang="en-US" noProof="0" dirty="0"/>
+          <a:endParaRPr lang="en-US" sz="1500" noProof="0" dirty="0"/>
         </a:p>
       </dgm:t>
     </dgm:pt>
@@ -7035,10 +7096,10 @@
         <a:lstStyle/>
         <a:p>
           <a:r>
-            <a:rPr lang="en-US" noProof="0" dirty="0" err="1" smtClean="0"/>
+            <a:rPr lang="en-US" sz="1500" noProof="0" dirty="0" err="1" smtClean="0"/>
             <a:t>Eigenbackground</a:t>
           </a:r>
-          <a:endParaRPr lang="en-US" noProof="0" dirty="0"/>
+          <a:endParaRPr lang="en-US" sz="1500" noProof="0" dirty="0"/>
         </a:p>
       </dgm:t>
     </dgm:pt>
@@ -7065,17 +7126,17 @@
       </dgm:t>
     </dgm:pt>
     <dgm:pt modelId="{F0C2C145-C20C-426C-A5AE-BF32F9C350D6}">
-      <dgm:prSet phldrT="[Texto]"/>
+      <dgm:prSet phldrT="[Texto]" custT="1"/>
       <dgm:spPr/>
       <dgm:t>
         <a:bodyPr/>
         <a:lstStyle/>
         <a:p>
           <a:r>
-            <a:rPr lang="en-US" noProof="0" dirty="0" smtClean="0"/>
+            <a:rPr lang="en-US" sz="1500" noProof="0" dirty="0" smtClean="0"/>
             <a:t>Grey - World</a:t>
           </a:r>
-          <a:endParaRPr lang="en-US" noProof="0" dirty="0"/>
+          <a:endParaRPr lang="en-US" sz="1500" noProof="0" dirty="0"/>
         </a:p>
       </dgm:t>
     </dgm:pt>
@@ -7789,10 +7850,24 @@
     <dgm:pt modelId="{50E8EC83-7441-4271-9AAA-8CB2FA5F76FE}" type="parTrans" cxnId="{F852958F-4E62-4260-A42D-D76362AA5B6D}">
       <dgm:prSet/>
       <dgm:spPr/>
+      <dgm:t>
+        <a:bodyPr/>
+        <a:lstStyle/>
+        <a:p>
+          <a:endParaRPr lang="es-ES"/>
+        </a:p>
+      </dgm:t>
     </dgm:pt>
     <dgm:pt modelId="{4267AECC-F828-47EC-8CBC-61C491812F41}" type="sibTrans" cxnId="{F852958F-4E62-4260-A42D-D76362AA5B6D}">
       <dgm:prSet/>
       <dgm:spPr/>
+      <dgm:t>
+        <a:bodyPr/>
+        <a:lstStyle/>
+        <a:p>
+          <a:endParaRPr lang="es-ES"/>
+        </a:p>
+      </dgm:t>
     </dgm:pt>
     <dgm:pt modelId="{401FF49C-DDAA-43F5-BE7C-8F7BCF340CDE}">
       <dgm:prSet/>
@@ -7812,10 +7887,24 @@
     <dgm:pt modelId="{51BD86C3-1014-4348-9BE8-DD1EC26911F4}" type="parTrans" cxnId="{3F8C77B0-DF0F-4D92-BFD8-4F9B683379C0}">
       <dgm:prSet/>
       <dgm:spPr/>
+      <dgm:t>
+        <a:bodyPr/>
+        <a:lstStyle/>
+        <a:p>
+          <a:endParaRPr lang="es-ES"/>
+        </a:p>
+      </dgm:t>
     </dgm:pt>
     <dgm:pt modelId="{9D724132-08AF-472B-B8CC-2FCF89709008}" type="sibTrans" cxnId="{3F8C77B0-DF0F-4D92-BFD8-4F9B683379C0}">
       <dgm:prSet/>
       <dgm:spPr/>
+      <dgm:t>
+        <a:bodyPr/>
+        <a:lstStyle/>
+        <a:p>
+          <a:endParaRPr lang="es-ES"/>
+        </a:p>
+      </dgm:t>
     </dgm:pt>
     <dgm:pt modelId="{8D12119A-7951-4775-834A-FC44E7E4F474}" type="pres">
       <dgm:prSet presAssocID="{6586D1D6-E41A-471A-862F-326DC00AB975}" presName="diagram" presStyleCnt="0">
@@ -8884,9 +8973,9 @@
         <a:ln w="25400" cap="flat" cmpd="sng" algn="ctr">
           <a:solidFill>
             <a:schemeClr val="accent5">
-              <a:hueOff val="-262448"/>
-              <a:satOff val="39"/>
-              <a:lumOff val="-924"/>
+              <a:hueOff val="-229642"/>
+              <a:satOff val="34"/>
+              <a:lumOff val="-809"/>
               <a:alphaOff val="0"/>
             </a:schemeClr>
           </a:solidFill>
@@ -8924,10 +9013,10 @@
             </a:spcAft>
           </a:pPr>
           <a:r>
-            <a:rPr lang="en-US" sz="1400" kern="1200" noProof="0" smtClean="0"/>
+            <a:rPr lang="en-US" sz="1400" kern="1200" noProof="0" dirty="0" smtClean="0"/>
             <a:t>Selectivity</a:t>
           </a:r>
-          <a:endParaRPr lang="en-US" sz="1400" kern="1200" noProof="0"/>
+          <a:endParaRPr lang="en-US" sz="1400" kern="1200" noProof="0" dirty="0"/>
         </a:p>
       </dsp:txBody>
       <dsp:txXfrm>
@@ -9019,9 +9108,9 @@
         <a:ln w="25400" cap="flat" cmpd="sng" algn="ctr">
           <a:solidFill>
             <a:schemeClr val="accent5">
-              <a:hueOff val="-524896"/>
-              <a:satOff val="77"/>
-              <a:lumOff val="-1849"/>
+              <a:hueOff val="-459284"/>
+              <a:satOff val="68"/>
+              <a:lumOff val="-1618"/>
               <a:alphaOff val="0"/>
             </a:schemeClr>
           </a:solidFill>
@@ -9059,10 +9148,10 @@
             </a:spcAft>
           </a:pPr>
           <a:r>
-            <a:rPr lang="en-US" sz="1400" kern="1200" noProof="0" smtClean="0"/>
+            <a:rPr lang="en-US" sz="1400" kern="1200" noProof="0" dirty="0" err="1" smtClean="0"/>
             <a:t>Eigenbackground</a:t>
           </a:r>
-          <a:endParaRPr lang="en-US" sz="1400" kern="1200" noProof="0"/>
+          <a:endParaRPr lang="en-US" sz="1400" kern="1200" noProof="0" dirty="0"/>
         </a:p>
         <a:p>
           <a:pPr marL="57150" lvl="1" indent="-57150" algn="l" defTabSz="488950">
@@ -9252,9 +9341,9 @@
         <a:ln w="25400" cap="flat" cmpd="sng" algn="ctr">
           <a:solidFill>
             <a:schemeClr val="accent5">
-              <a:hueOff val="-787344"/>
-              <a:satOff val="116"/>
-              <a:lumOff val="-2773"/>
+              <a:hueOff val="-688926"/>
+              <a:satOff val="101"/>
+              <a:lumOff val="-2427"/>
               <a:alphaOff val="0"/>
             </a:schemeClr>
           </a:solidFill>
@@ -9387,9 +9476,9 @@
         <a:ln w="25400" cap="flat" cmpd="sng" algn="ctr">
           <a:solidFill>
             <a:schemeClr val="accent5">
-              <a:hueOff val="-1049793"/>
-              <a:satOff val="154"/>
-              <a:lumOff val="-3698"/>
+              <a:hueOff val="-918568"/>
+              <a:satOff val="135"/>
+              <a:lumOff val="-3236"/>
               <a:alphaOff val="0"/>
             </a:schemeClr>
           </a:solidFill>
@@ -9522,9 +9611,9 @@
         <a:ln w="25400" cap="flat" cmpd="sng" algn="ctr">
           <a:solidFill>
             <a:schemeClr val="accent5">
-              <a:hueOff val="-1312241"/>
-              <a:satOff val="193"/>
-              <a:lumOff val="-4622"/>
+              <a:hueOff val="-1148211"/>
+              <a:satOff val="169"/>
+              <a:lumOff val="-4044"/>
               <a:alphaOff val="0"/>
             </a:schemeClr>
           </a:solidFill>
@@ -9736,9 +9825,9 @@
         <a:ln w="25400" cap="flat" cmpd="sng" algn="ctr">
           <a:solidFill>
             <a:schemeClr val="accent5">
-              <a:hueOff val="-1574689"/>
-              <a:satOff val="231"/>
-              <a:lumOff val="-5547"/>
+              <a:hueOff val="-1377853"/>
+              <a:satOff val="203"/>
+              <a:lumOff val="-4853"/>
               <a:alphaOff val="0"/>
             </a:schemeClr>
           </a:solidFill>
@@ -9871,9 +9960,9 @@
         <a:ln w="25400" cap="flat" cmpd="sng" algn="ctr">
           <a:solidFill>
             <a:schemeClr val="accent5">
-              <a:hueOff val="-1837137"/>
-              <a:satOff val="270"/>
-              <a:lumOff val="-6471"/>
+              <a:hueOff val="-1607495"/>
+              <a:satOff val="236"/>
+              <a:lumOff val="-5662"/>
               <a:alphaOff val="0"/>
             </a:schemeClr>
           </a:solidFill>
@@ -9919,6 +10008,141 @@
       </dsp:txBody>
       <dsp:txXfrm>
         <a:off x="4677671" y="2371226"/>
+        <a:ext cx="1385530" cy="865956"/>
+      </dsp:txXfrm>
+    </dsp:sp>
+    <dsp:sp modelId="{3BC29AD4-96E0-4495-B3CD-28A722C6D4B9}">
+      <dsp:nvSpPr>
+        <dsp:cNvPr id="0" name=""/>
+        <dsp:cNvSpPr/>
+      </dsp:nvSpPr>
+      <dsp:spPr>
+        <a:xfrm>
+          <a:off x="4504480" y="1072291"/>
+          <a:ext cx="173191" cy="2814358"/>
+        </a:xfrm>
+        <a:custGeom>
+          <a:avLst/>
+          <a:gdLst/>
+          <a:ahLst/>
+          <a:cxnLst/>
+          <a:rect l="0" t="0" r="0" b="0"/>
+          <a:pathLst>
+            <a:path>
+              <a:moveTo>
+                <a:pt x="0" y="0"/>
+              </a:moveTo>
+              <a:lnTo>
+                <a:pt x="0" y="2814358"/>
+              </a:lnTo>
+              <a:lnTo>
+                <a:pt x="173191" y="2814358"/>
+              </a:lnTo>
+            </a:path>
+          </a:pathLst>
+        </a:custGeom>
+        <a:noFill/>
+        <a:ln w="25400" cap="flat" cmpd="sng" algn="ctr">
+          <a:solidFill>
+            <a:schemeClr val="accent6">
+              <a:hueOff val="0"/>
+              <a:satOff val="0"/>
+              <a:lumOff val="0"/>
+              <a:alphaOff val="0"/>
+            </a:schemeClr>
+          </a:solidFill>
+          <a:prstDash val="solid"/>
+        </a:ln>
+        <a:effectLst/>
+      </dsp:spPr>
+      <dsp:style>
+        <a:lnRef idx="2">
+          <a:scrgbClr r="0" g="0" b="0"/>
+        </a:lnRef>
+        <a:fillRef idx="0">
+          <a:scrgbClr r="0" g="0" b="0"/>
+        </a:fillRef>
+        <a:effectRef idx="0">
+          <a:scrgbClr r="0" g="0" b="0"/>
+        </a:effectRef>
+        <a:fontRef idx="minor"/>
+      </dsp:style>
+    </dsp:sp>
+    <dsp:sp modelId="{5A29D700-5554-4150-8513-656E1B368FCD}">
+      <dsp:nvSpPr>
+        <dsp:cNvPr id="0" name=""/>
+        <dsp:cNvSpPr/>
+      </dsp:nvSpPr>
+      <dsp:spPr>
+        <a:xfrm>
+          <a:off x="4677671" y="3453671"/>
+          <a:ext cx="1385530" cy="865956"/>
+        </a:xfrm>
+        <a:prstGeom prst="roundRect">
+          <a:avLst>
+            <a:gd name="adj" fmla="val 10000"/>
+          </a:avLst>
+        </a:prstGeom>
+        <a:solidFill>
+          <a:schemeClr val="lt1">
+            <a:alpha val="90000"/>
+            <a:hueOff val="0"/>
+            <a:satOff val="0"/>
+            <a:lumOff val="0"/>
+            <a:alphaOff val="0"/>
+          </a:schemeClr>
+        </a:solidFill>
+        <a:ln w="25400" cap="flat" cmpd="sng" algn="ctr">
+          <a:solidFill>
+            <a:schemeClr val="accent5">
+              <a:hueOff val="-1837137"/>
+              <a:satOff val="270"/>
+              <a:lumOff val="-6471"/>
+              <a:alphaOff val="0"/>
+            </a:schemeClr>
+          </a:solidFill>
+          <a:prstDash val="solid"/>
+        </a:ln>
+        <a:effectLst/>
+      </dsp:spPr>
+      <dsp:style>
+        <a:lnRef idx="2">
+          <a:scrgbClr r="0" g="0" b="0"/>
+        </a:lnRef>
+        <a:fillRef idx="1">
+          <a:scrgbClr r="0" g="0" b="0"/>
+        </a:fillRef>
+        <a:effectRef idx="0">
+          <a:scrgbClr r="0" g="0" b="0"/>
+        </a:effectRef>
+        <a:fontRef idx="minor"/>
+      </dsp:style>
+      <dsp:txBody>
+        <a:bodyPr spcFirstLastPara="0" vert="horz" wrap="square" lIns="26670" tIns="17780" rIns="26670" bIns="17780" numCol="1" spcCol="1270" anchor="ctr" anchorCtr="0">
+          <a:noAutofit/>
+        </a:bodyPr>
+        <a:lstStyle/>
+        <a:p>
+          <a:pPr lvl="0" algn="ctr" defTabSz="622300">
+            <a:lnSpc>
+              <a:spcPct val="90000"/>
+            </a:lnSpc>
+            <a:spcBef>
+              <a:spcPct val="0"/>
+            </a:spcBef>
+            <a:spcAft>
+              <a:spcPct val="35000"/>
+            </a:spcAft>
+          </a:pPr>
+          <a:r>
+            <a:rPr lang="en-US" sz="1400" kern="1200" noProof="0" dirty="0" smtClean="0"/>
+            <a:t>Multiple targets</a:t>
+          </a:r>
+          <a:endParaRPr lang="en-US" sz="1400" kern="1200" noProof="0" dirty="0"/>
+        </a:p>
+      </dsp:txBody>
+      <dsp:txXfrm>
+        <a:off x="4677671" y="3453671"/>
         <a:ext cx="1385530" cy="865956"/>
       </dsp:txXfrm>
     </dsp:sp>
@@ -10496,7 +10720,7 @@
           <a:endParaRPr lang="en-US" sz="1500" kern="1200" noProof="0" dirty="0"/>
         </a:p>
         <a:p>
-          <a:pPr marL="114300" lvl="1" indent="-114300" algn="l" defTabSz="533400">
+          <a:pPr marL="114300" lvl="1" indent="-114300" algn="l" defTabSz="666750">
             <a:lnSpc>
               <a:spcPct val="90000"/>
             </a:lnSpc>
@@ -10509,10 +10733,10 @@
             <a:buChar char="••"/>
           </a:pPr>
           <a:r>
-            <a:rPr lang="en-US" sz="1200" kern="1200" noProof="0" dirty="0" smtClean="0"/>
+            <a:rPr lang="en-US" sz="1500" kern="1200" noProof="0" dirty="0" smtClean="0"/>
             <a:t>Grey - World</a:t>
           </a:r>
-          <a:endParaRPr lang="en-US" sz="1200" kern="1200" noProof="0" dirty="0"/>
+          <a:endParaRPr lang="en-US" sz="1500" kern="1200" noProof="0" dirty="0"/>
         </a:p>
       </dsp:txBody>
       <dsp:txXfrm>
@@ -20939,7 +21163,7 @@
             <a:fld id="{9B628066-9D20-41B4-A7D0-B058C872666D}" type="slidenum">
               <a:rPr lang="es-ES" smtClean="0"/>
               <a:pPr/>
-              <a:t>‹#›</a:t>
+              <a:t>‹Nº›</a:t>
             </a:fld>
             <a:endParaRPr lang="es-ES"/>
           </a:p>
@@ -21114,7 +21338,7 @@
             <a:fld id="{9B628066-9D20-41B4-A7D0-B058C872666D}" type="slidenum">
               <a:rPr lang="es-ES" smtClean="0"/>
               <a:pPr/>
-              <a:t>‹#›</a:t>
+              <a:t>‹Nº›</a:t>
             </a:fld>
             <a:endParaRPr lang="es-ES"/>
           </a:p>
@@ -21360,7 +21584,7 @@
             <a:fld id="{9B628066-9D20-41B4-A7D0-B058C872666D}" type="slidenum">
               <a:rPr lang="es-ES" smtClean="0"/>
               <a:pPr/>
-              <a:t>‹#›</a:t>
+              <a:t>‹Nº›</a:t>
             </a:fld>
             <a:endParaRPr lang="es-ES"/>
           </a:p>
@@ -21653,7 +21877,7 @@
             <a:fld id="{9B628066-9D20-41B4-A7D0-B058C872666D}" type="slidenum">
               <a:rPr lang="es-ES" smtClean="0"/>
               <a:pPr/>
-              <a:t>‹#›</a:t>
+              <a:t>‹Nº›</a:t>
             </a:fld>
             <a:endParaRPr lang="es-ES"/>
           </a:p>
@@ -22080,7 +22304,7 @@
             <a:fld id="{9B628066-9D20-41B4-A7D0-B058C872666D}" type="slidenum">
               <a:rPr lang="es-ES" smtClean="0"/>
               <a:pPr/>
-              <a:t>‹#›</a:t>
+              <a:t>‹Nº›</a:t>
             </a:fld>
             <a:endParaRPr lang="es-ES"/>
           </a:p>
@@ -22293,7 +22517,7 @@
             <a:fld id="{9B628066-9D20-41B4-A7D0-B058C872666D}" type="slidenum">
               <a:rPr lang="es-ES" smtClean="0"/>
               <a:pPr/>
-              <a:t>‹#›</a:t>
+              <a:t>‹Nº›</a:t>
             </a:fld>
             <a:endParaRPr lang="es-ES"/>
           </a:p>
@@ -24119,46 +24343,26 @@
           <a:p>
             <a:pPr algn="ctr"/>
             <a:r>
-              <a:rPr lang="es-ES" dirty="0" smtClean="0"/>
-              <a:t>B</a:t>
+              <a:rPr lang="es-ES" sz="1500" dirty="0" smtClean="0"/>
+              <a:t>Bi+1 = </a:t>
             </a:r>
             <a:r>
-              <a:rPr lang="es-ES" sz="1400" dirty="0" smtClean="0"/>
-              <a:t>i+1</a:t>
-            </a:r>
-            <a:r>
-              <a:rPr lang="es-ES" dirty="0" smtClean="0"/>
-              <a:t> = </a:t>
-            </a:r>
-            <a:r>
-              <a:rPr lang="el-GR" dirty="0" smtClean="0"/>
+              <a:rPr lang="el-GR" sz="1500" dirty="0" smtClean="0"/>
               <a:t>α</a:t>
             </a:r>
             <a:r>
-              <a:rPr lang="es-ES" dirty="0" smtClean="0"/>
-              <a:t>*F</a:t>
+              <a:rPr lang="es-ES" sz="1500" dirty="0" smtClean="0"/>
+              <a:t>*Fi + (1-</a:t>
             </a:r>
             <a:r>
-              <a:rPr lang="es-ES" sz="1400" dirty="0" smtClean="0"/>
-              <a:t>i</a:t>
-            </a:r>
-            <a:r>
-              <a:rPr lang="es-ES" dirty="0" smtClean="0"/>
-              <a:t> + (1-</a:t>
-            </a:r>
-            <a:r>
-              <a:rPr lang="el-GR" dirty="0" smtClean="0"/>
+              <a:rPr lang="el-GR" sz="1500" dirty="0" smtClean="0"/>
               <a:t>α</a:t>
             </a:r>
             <a:r>
-              <a:rPr lang="es-ES" dirty="0" smtClean="0"/>
-              <a:t>)*B</a:t>
+              <a:rPr lang="es-ES" sz="1500" dirty="0" smtClean="0"/>
+              <a:t>)*Bi</a:t>
             </a:r>
-            <a:r>
-              <a:rPr lang="es-ES" sz="1400" dirty="0" smtClean="0"/>
-              <a:t>i</a:t>
-            </a:r>
-            <a:endParaRPr lang="es-ES" dirty="0"/>
+            <a:endParaRPr lang="es-ES" sz="1500" dirty="0"/>
           </a:p>
         </p:txBody>
       </p:sp>
@@ -24171,7 +24375,7 @@
         <p:spPr>
           <a:xfrm>
             <a:off x="3214678" y="5072074"/>
-            <a:ext cx="2214578" cy="928694"/>
+            <a:ext cx="5000660" cy="785818"/>
           </a:xfrm>
           <a:prstGeom prst="roundRect">
             <a:avLst/>
@@ -24197,25 +24401,24 @@
           <a:p>
             <a:pPr algn="ctr"/>
             <a:r>
-              <a:rPr lang="es-ES" dirty="0" smtClean="0"/>
-              <a:t>PCA</a:t>
+              <a:rPr lang="en-US" sz="1500" dirty="0" smtClean="0"/>
+              <a:t>PCA - First M eigenvectors</a:t>
             </a:r>
           </a:p>
           <a:p>
             <a:pPr algn="ctr"/>
             <a:r>
-              <a:rPr lang="es-ES" dirty="0" err="1" smtClean="0"/>
-              <a:t>First</a:t>
+              <a:rPr lang="en-US" sz="1500" dirty="0" smtClean="0"/>
+              <a:t>Grey-World to delete the </a:t>
             </a:r>
             <a:r>
-              <a:rPr lang="es-ES" dirty="0" smtClean="0"/>
-              <a:t> M </a:t>
+              <a:rPr lang="en-US" sz="1500" dirty="0" smtClean="0"/>
+              <a:t>illumination </a:t>
             </a:r>
             <a:r>
-              <a:rPr lang="es-ES" dirty="0" err="1" smtClean="0"/>
-              <a:t>eigenvectors</a:t>
+              <a:rPr lang="en-US" sz="1500" dirty="0" smtClean="0"/>
+              <a:t>vary environment </a:t>
             </a:r>
-            <a:endParaRPr lang="es-ES" dirty="0"/>
           </a:p>
         </p:txBody>
       </p:sp>
@@ -24228,7 +24431,7 @@
         <p:spPr>
           <a:xfrm>
             <a:off x="3214678" y="3929066"/>
-            <a:ext cx="5572164" cy="857256"/>
+            <a:ext cx="5000660" cy="857256"/>
           </a:xfrm>
           <a:prstGeom prst="roundRect">
             <a:avLst/>
@@ -24253,189 +24456,161 @@
           <a:lstStyle/>
           <a:p>
             <a:r>
-              <a:rPr lang="es-ES" dirty="0" smtClean="0"/>
-              <a:t>B</a:t>
+              <a:rPr lang="es-ES" sz="1500" dirty="0" smtClean="0"/>
+              <a:t>Bi+1(</a:t>
             </a:r>
             <a:r>
-              <a:rPr lang="es-ES" sz="1400" dirty="0" smtClean="0"/>
-              <a:t>i+1</a:t>
+              <a:rPr lang="es-ES" sz="1500" dirty="0" err="1" smtClean="0"/>
+              <a:t>x,y</a:t>
             </a:r>
             <a:r>
-              <a:rPr lang="es-ES" dirty="0" smtClean="0"/>
+              <a:rPr lang="es-ES" sz="1500" dirty="0"/>
+              <a:t>) = </a:t>
+            </a:r>
+            <a:r>
+              <a:rPr lang="el-GR" sz="1500" dirty="0" smtClean="0"/>
+              <a:t>α</a:t>
+            </a:r>
+            <a:r>
+              <a:rPr lang="es-ES" sz="1500" dirty="0" smtClean="0"/>
+              <a:t>*Ft(</a:t>
+            </a:r>
+            <a:r>
+              <a:rPr lang="es-ES" sz="1500" dirty="0" err="1" smtClean="0"/>
+              <a:t>x,y</a:t>
+            </a:r>
+            <a:r>
+              <a:rPr lang="es-ES" sz="1500" dirty="0" smtClean="0"/>
+              <a:t>) </a:t>
+            </a:r>
+            <a:r>
+              <a:rPr lang="es-ES" sz="1500" dirty="0"/>
+              <a:t>+ (</a:t>
+            </a:r>
+            <a:r>
+              <a:rPr lang="es-ES" sz="1500" dirty="0" smtClean="0"/>
+              <a:t>1-</a:t>
+            </a:r>
+            <a:r>
+              <a:rPr lang="el-GR" sz="1500" dirty="0" smtClean="0"/>
+              <a:t>α</a:t>
+            </a:r>
+            <a:r>
+              <a:rPr lang="es-ES" sz="1500" dirty="0" smtClean="0"/>
+              <a:t>)*</a:t>
+            </a:r>
+            <a:r>
+              <a:rPr lang="es-ES" sz="1500" dirty="0" err="1" smtClean="0"/>
+              <a:t>Bt</a:t>
+            </a:r>
+            <a:r>
+              <a:rPr lang="es-ES" sz="1500" dirty="0" smtClean="0"/>
               <a:t>(</a:t>
             </a:r>
             <a:r>
-              <a:rPr lang="es-ES" dirty="0" err="1" smtClean="0"/>
+              <a:rPr lang="es-ES" sz="1500" dirty="0" err="1" smtClean="0"/>
               <a:t>x,y</a:t>
             </a:r>
             <a:r>
-              <a:rPr lang="es-ES" dirty="0"/>
+              <a:rPr lang="es-ES" sz="1500" dirty="0" smtClean="0"/>
+              <a:t>)  </a:t>
+            </a:r>
+            <a:r>
+              <a:rPr lang="es-ES" sz="1500" dirty="0" err="1" smtClean="0"/>
+              <a:t>if</a:t>
+            </a:r>
+            <a:r>
+              <a:rPr lang="es-ES" sz="1500" dirty="0" smtClean="0"/>
+              <a:t> Ft(</a:t>
+            </a:r>
+            <a:r>
+              <a:rPr lang="es-ES" sz="1500" dirty="0" err="1" smtClean="0"/>
+              <a:t>x,y</a:t>
+            </a:r>
+            <a:r>
+              <a:rPr lang="es-ES" sz="1500" dirty="0" smtClean="0"/>
+              <a:t>)</a:t>
+            </a:r>
+            <a:r>
+              <a:rPr lang="es-ES" sz="1500" dirty="0" err="1" smtClean="0"/>
+              <a:t>is</a:t>
+            </a:r>
+            <a:r>
+              <a:rPr lang="es-ES" sz="1500" dirty="0" smtClean="0"/>
+              <a:t> </a:t>
+            </a:r>
+            <a:r>
+              <a:rPr lang="es-ES" sz="1500" dirty="0" err="1" smtClean="0"/>
+              <a:t>Background</a:t>
+            </a:r>
+            <a:endParaRPr lang="es-ES" sz="1500" dirty="0"/>
+          </a:p>
+          <a:p>
+            <a:r>
+              <a:rPr lang="es-ES" sz="1500" dirty="0" smtClean="0"/>
+              <a:t>Bi+1(</a:t>
+            </a:r>
+            <a:r>
+              <a:rPr lang="es-ES" sz="1500" dirty="0" err="1" smtClean="0"/>
+              <a:t>x,y</a:t>
+            </a:r>
+            <a:r>
+              <a:rPr lang="es-ES" sz="1500" dirty="0"/>
               <a:t>) = </a:t>
             </a:r>
             <a:r>
-              <a:rPr lang="el-GR" dirty="0" smtClean="0"/>
-              <a:t>α</a:t>
+              <a:rPr lang="es-ES" sz="1500" dirty="0" err="1" smtClean="0"/>
+              <a:t>Bt</a:t>
             </a:r>
             <a:r>
-              <a:rPr lang="es-ES" dirty="0" smtClean="0"/>
-              <a:t>*F</a:t>
-            </a:r>
-            <a:r>
-              <a:rPr lang="es-ES" sz="1400" dirty="0" smtClean="0"/>
-              <a:t>t</a:t>
-            </a:r>
-            <a:r>
-              <a:rPr lang="es-ES" dirty="0" smtClean="0"/>
+              <a:rPr lang="es-ES" sz="1500" dirty="0" smtClean="0"/>
               <a:t>(</a:t>
             </a:r>
             <a:r>
-              <a:rPr lang="es-ES" dirty="0" err="1" smtClean="0"/>
+              <a:rPr lang="es-ES" sz="1500" dirty="0" err="1" smtClean="0"/>
               <a:t>x,y</a:t>
             </a:r>
             <a:r>
-              <a:rPr lang="es-ES" dirty="0" smtClean="0"/>
+              <a:rPr lang="es-ES" sz="1500" dirty="0"/>
               <a:t>) </a:t>
             </a:r>
             <a:r>
-              <a:rPr lang="es-ES" dirty="0"/>
-              <a:t>+ (</a:t>
+              <a:rPr lang="es-ES" sz="1500" dirty="0" smtClean="0"/>
+              <a:t>                               </a:t>
             </a:r>
             <a:r>
-              <a:rPr lang="es-ES" dirty="0" smtClean="0"/>
-              <a:t>1-</a:t>
+              <a:rPr lang="es-ES" sz="1500" dirty="0" smtClean="0"/>
+              <a:t> </a:t>
             </a:r>
             <a:r>
-              <a:rPr lang="el-GR" dirty="0" smtClean="0"/>
-              <a:t>α</a:t>
+              <a:rPr lang="es-ES" sz="1500" dirty="0" err="1" smtClean="0"/>
+              <a:t>if</a:t>
             </a:r>
             <a:r>
-              <a:rPr lang="es-ES" dirty="0" smtClean="0"/>
-              <a:t>)*</a:t>
+              <a:rPr lang="es-ES" sz="1500" dirty="0" smtClean="0"/>
+              <a:t> Ft(</a:t>
             </a:r>
             <a:r>
-              <a:rPr lang="es-ES" dirty="0" err="1" smtClean="0"/>
-              <a:t>B</a:t>
-            </a:r>
-            <a:r>
-              <a:rPr lang="es-ES" sz="1400" dirty="0" err="1" smtClean="0"/>
-              <a:t>t</a:t>
-            </a:r>
-            <a:r>
-              <a:rPr lang="es-ES" dirty="0" smtClean="0"/>
-              <a:t>(</a:t>
-            </a:r>
-            <a:r>
-              <a:rPr lang="es-ES" dirty="0" err="1" smtClean="0"/>
+              <a:rPr lang="es-ES" sz="1500" dirty="0" err="1" smtClean="0"/>
               <a:t>x,y</a:t>
             </a:r>
             <a:r>
-              <a:rPr lang="es-ES" dirty="0" smtClean="0"/>
-              <a:t>) </a:t>
-            </a:r>
-            <a:r>
-              <a:rPr lang="es-ES" dirty="0" err="1" smtClean="0"/>
-              <a:t>ifFt</a:t>
-            </a:r>
-            <a:r>
-              <a:rPr lang="es-ES" dirty="0" smtClean="0"/>
-              <a:t>(</a:t>
-            </a:r>
-            <a:r>
-              <a:rPr lang="es-ES" dirty="0" err="1" smtClean="0"/>
-              <a:t>x,y</a:t>
-            </a:r>
-            <a:r>
-              <a:rPr lang="es-ES" dirty="0" smtClean="0"/>
+              <a:rPr lang="es-ES" sz="1500" dirty="0" smtClean="0"/>
               <a:t>)</a:t>
             </a:r>
             <a:r>
-              <a:rPr lang="es-ES" dirty="0" err="1" smtClean="0"/>
+              <a:rPr lang="es-ES" sz="1500" dirty="0" err="1" smtClean="0"/>
               <a:t>is</a:t>
             </a:r>
             <a:r>
-              <a:rPr lang="es-ES" dirty="0" smtClean="0"/>
+              <a:rPr lang="es-ES" sz="1500" dirty="0" smtClean="0"/>
               <a:t> </a:t>
             </a:r>
             <a:r>
-              <a:rPr lang="es-ES" dirty="0" err="1" smtClean="0"/>
-              <a:t>Background</a:t>
-            </a:r>
-            <a:endParaRPr lang="es-ES" dirty="0"/>
-          </a:p>
-          <a:p>
-            <a:r>
-              <a:rPr lang="es-ES" dirty="0" smtClean="0"/>
-              <a:t>B</a:t>
-            </a:r>
-            <a:r>
-              <a:rPr lang="es-ES" sz="1400" dirty="0" smtClean="0"/>
-              <a:t>i+1</a:t>
-            </a:r>
-            <a:r>
-              <a:rPr lang="es-ES" dirty="0" smtClean="0"/>
-              <a:t>(</a:t>
-            </a:r>
-            <a:r>
-              <a:rPr lang="es-ES" dirty="0" err="1" smtClean="0"/>
-              <a:t>x,y</a:t>
-            </a:r>
-            <a:r>
-              <a:rPr lang="es-ES" dirty="0"/>
-              <a:t>) = </a:t>
-            </a:r>
-            <a:r>
-              <a:rPr lang="es-ES" dirty="0" err="1" smtClean="0"/>
-              <a:t>B</a:t>
-            </a:r>
-            <a:r>
-              <a:rPr lang="es-ES" sz="1400" dirty="0" err="1" smtClean="0"/>
-              <a:t>t</a:t>
-            </a:r>
-            <a:r>
-              <a:rPr lang="es-ES" dirty="0" smtClean="0"/>
-              <a:t>(</a:t>
-            </a:r>
-            <a:r>
-              <a:rPr lang="es-ES" dirty="0" err="1" smtClean="0"/>
-              <a:t>x,y</a:t>
-            </a:r>
-            <a:r>
-              <a:rPr lang="es-ES" dirty="0"/>
-              <a:t>) </a:t>
-            </a:r>
-            <a:r>
-              <a:rPr lang="es-ES" dirty="0" smtClean="0"/>
-              <a:t>                               </a:t>
-            </a:r>
-            <a:r>
-              <a:rPr lang="es-ES" dirty="0" err="1" smtClean="0"/>
-              <a:t>ifFt</a:t>
-            </a:r>
-            <a:r>
-              <a:rPr lang="es-ES" dirty="0" smtClean="0"/>
-              <a:t>(</a:t>
-            </a:r>
-            <a:r>
-              <a:rPr lang="es-ES" dirty="0" err="1" smtClean="0"/>
-              <a:t>x,y</a:t>
-            </a:r>
-            <a:r>
-              <a:rPr lang="es-ES" dirty="0" smtClean="0"/>
-              <a:t>)</a:t>
-            </a:r>
-            <a:r>
-              <a:rPr lang="es-ES" dirty="0" err="1" smtClean="0"/>
-              <a:t>is</a:t>
-            </a:r>
-            <a:r>
-              <a:rPr lang="es-ES" dirty="0" smtClean="0"/>
-              <a:t> </a:t>
-            </a:r>
-            <a:r>
-              <a:rPr lang="es-ES" dirty="0" err="1" smtClean="0"/>
+              <a:rPr lang="es-ES" sz="1500" dirty="0" err="1" smtClean="0"/>
               <a:t>Foreground</a:t>
             </a:r>
-            <a:endParaRPr lang="es-ES" dirty="0"/>
+            <a:endParaRPr lang="es-ES" sz="1500" dirty="0"/>
           </a:p>
         </p:txBody>
       </p:sp>
@@ -24484,8 +24659,8 @@
         </p:nvCxnSpPr>
         <p:spPr>
           <a:xfrm>
-            <a:off x="2357422" y="4357694"/>
-            <a:ext cx="857256" cy="1588"/>
+            <a:off x="2285984" y="4357694"/>
+            <a:ext cx="928694" cy="1588"/>
           </a:xfrm>
           <a:prstGeom prst="bentConnector3">
             <a:avLst>
